--- a/Thesis Proposal Defence.pptx
+++ b/Thesis Proposal Defence.pptx
@@ -119,6 +119,11 @@
       </a:defRPr>
     </a:lvl9pPr>
   </p:defaultTextStyle>
+  <p:extLst>
+    <p:ext uri="{EFAFB233-063F-42B5-8137-9DF3F51BA10A}">
+      <p15:sldGuideLst xmlns:p15="http://schemas.microsoft.com/office/powerpoint/2012/main"/>
+    </p:ext>
+  </p:extLst>
 </p:presentation>
 </file>
 
@@ -204,7 +209,7 @@
           <a:p>
             <a:fld id="{1BF8C320-1D1B-4A01-A637-3E15027DC91A}" type="datetimeFigureOut">
               <a:rPr lang="en-CA" smtClean="0"/>
-              <a:t>2025-11-29</a:t>
+              <a:t>2025-12-02</a:t>
             </a:fld>
             <a:endParaRPr lang="en-CA"/>
           </a:p>
@@ -2873,7 +2878,7 @@
           <a:p>
             <a:fld id="{78ED8958-4744-4512-A73A-B7842DF6E36C}" type="datetimeFigureOut">
               <a:rPr lang="en-CA" smtClean="0"/>
-              <a:t>2025-11-29</a:t>
+              <a:t>2025-12-02</a:t>
             </a:fld>
             <a:endParaRPr lang="en-CA"/>
           </a:p>
@@ -3073,7 +3078,7 @@
           <a:p>
             <a:fld id="{78ED8958-4744-4512-A73A-B7842DF6E36C}" type="datetimeFigureOut">
               <a:rPr lang="en-CA" smtClean="0"/>
-              <a:t>2025-11-29</a:t>
+              <a:t>2025-12-02</a:t>
             </a:fld>
             <a:endParaRPr lang="en-CA"/>
           </a:p>
@@ -3283,7 +3288,7 @@
           <a:p>
             <a:fld id="{78ED8958-4744-4512-A73A-B7842DF6E36C}" type="datetimeFigureOut">
               <a:rPr lang="en-CA" smtClean="0"/>
-              <a:t>2025-11-29</a:t>
+              <a:t>2025-12-02</a:t>
             </a:fld>
             <a:endParaRPr lang="en-CA"/>
           </a:p>
@@ -5221,7 +5226,7 @@
           <a:p>
             <a:fld id="{78ED8958-4744-4512-A73A-B7842DF6E36C}" type="datetimeFigureOut">
               <a:rPr lang="en-CA" smtClean="0"/>
-              <a:t>2025-11-29</a:t>
+              <a:t>2025-12-02</a:t>
             </a:fld>
             <a:endParaRPr lang="en-CA"/>
           </a:p>
@@ -5497,7 +5502,7 @@
           <a:p>
             <a:fld id="{78ED8958-4744-4512-A73A-B7842DF6E36C}" type="datetimeFigureOut">
               <a:rPr lang="en-CA" smtClean="0"/>
-              <a:t>2025-11-29</a:t>
+              <a:t>2025-12-02</a:t>
             </a:fld>
             <a:endParaRPr lang="en-CA"/>
           </a:p>
@@ -5765,7 +5770,7 @@
           <a:p>
             <a:fld id="{78ED8958-4744-4512-A73A-B7842DF6E36C}" type="datetimeFigureOut">
               <a:rPr lang="en-CA" smtClean="0"/>
-              <a:t>2025-11-29</a:t>
+              <a:t>2025-12-02</a:t>
             </a:fld>
             <a:endParaRPr lang="en-CA"/>
           </a:p>
@@ -6180,7 +6185,7 @@
           <a:p>
             <a:fld id="{78ED8958-4744-4512-A73A-B7842DF6E36C}" type="datetimeFigureOut">
               <a:rPr lang="en-CA" smtClean="0"/>
-              <a:t>2025-11-29</a:t>
+              <a:t>2025-12-02</a:t>
             </a:fld>
             <a:endParaRPr lang="en-CA"/>
           </a:p>
@@ -6322,7 +6327,7 @@
           <a:p>
             <a:fld id="{78ED8958-4744-4512-A73A-B7842DF6E36C}" type="datetimeFigureOut">
               <a:rPr lang="en-CA" smtClean="0"/>
-              <a:t>2025-11-29</a:t>
+              <a:t>2025-12-02</a:t>
             </a:fld>
             <a:endParaRPr lang="en-CA"/>
           </a:p>
@@ -6435,7 +6440,7 @@
           <a:p>
             <a:fld id="{78ED8958-4744-4512-A73A-B7842DF6E36C}" type="datetimeFigureOut">
               <a:rPr lang="en-CA" smtClean="0"/>
-              <a:t>2025-11-29</a:t>
+              <a:t>2025-12-02</a:t>
             </a:fld>
             <a:endParaRPr lang="en-CA"/>
           </a:p>
@@ -6748,7 +6753,7 @@
           <a:p>
             <a:fld id="{78ED8958-4744-4512-A73A-B7842DF6E36C}" type="datetimeFigureOut">
               <a:rPr lang="en-CA" smtClean="0"/>
-              <a:t>2025-11-29</a:t>
+              <a:t>2025-12-02</a:t>
             </a:fld>
             <a:endParaRPr lang="en-CA"/>
           </a:p>
@@ -7037,7 +7042,7 @@
           <a:p>
             <a:fld id="{78ED8958-4744-4512-A73A-B7842DF6E36C}" type="datetimeFigureOut">
               <a:rPr lang="en-CA" smtClean="0"/>
-              <a:t>2025-11-29</a:t>
+              <a:t>2025-12-02</a:t>
             </a:fld>
             <a:endParaRPr lang="en-CA"/>
           </a:p>
@@ -7280,7 +7285,7 @@
           <a:p>
             <a:fld id="{78ED8958-4744-4512-A73A-B7842DF6E36C}" type="datetimeFigureOut">
               <a:rPr lang="en-CA" smtClean="0"/>
-              <a:t>2025-11-29</a:t>
+              <a:t>2025-12-02</a:t>
             </a:fld>
             <a:endParaRPr lang="en-CA"/>
           </a:p>
@@ -7891,7 +7896,7 @@
             <a:pPr lvl="0" algn="ctr"/>
             <a:r>
               <a:rPr lang="en-CA" sz="4000" dirty="0"/>
-              <a:t>Preliminary Findings</a:t>
+              <a:t>Preliminary Questions</a:t>
             </a:r>
             <a:endParaRPr sz="4000" dirty="0"/>
           </a:p>
@@ -7926,7 +7931,7 @@
         </p:blipFill>
         <p:spPr bwMode="auto">
           <a:xfrm>
-            <a:off x="6458989" y="2037690"/>
+            <a:off x="6458989" y="2819088"/>
             <a:ext cx="5119255" cy="3808061"/>
           </a:xfrm>
           <a:prstGeom prst="rect">
@@ -7967,7 +7972,7 @@
         </p:blipFill>
         <p:spPr bwMode="auto">
           <a:xfrm>
-            <a:off x="838200" y="2037691"/>
+            <a:off x="838200" y="2819089"/>
             <a:ext cx="5162099" cy="3808061"/>
           </a:xfrm>
           <a:prstGeom prst="rect">
@@ -7979,6 +7984,82 @@
           </a:ln>
         </p:spPr>
       </p:pic>
+      <p:sp>
+        <p:nvSpPr>
+          <p:cNvPr id="2" name="Google Shape;53;p9">
+            <a:extLst>
+              <a:ext uri="{FF2B5EF4-FFF2-40B4-BE49-F238E27FC236}">
+                <a16:creationId xmlns:a16="http://schemas.microsoft.com/office/drawing/2014/main" id="{4FD926B7-9B81-1344-56FA-35BDDDA44E1D}"/>
+              </a:ext>
+            </a:extLst>
+          </p:cNvPr>
+          <p:cNvSpPr txBox="1"/>
+          <p:nvPr/>
+        </p:nvSpPr>
+        <p:spPr>
+          <a:xfrm>
+            <a:off x="941363" y="1415564"/>
+            <a:ext cx="4955771" cy="1371601"/>
+          </a:xfrm>
+          <a:prstGeom prst="rect">
+            <a:avLst/>
+          </a:prstGeom>
+          <a:noFill/>
+          <a:ln>
+            <a:noFill/>
+          </a:ln>
+        </p:spPr>
+        <p:txBody>
+          <a:bodyPr spcFirstLastPara="1" wrap="square" lIns="91425" tIns="45700" rIns="91425" bIns="45700" anchor="t" anchorCtr="0">
+            <a:noAutofit/>
+          </a:bodyPr>
+          <a:lstStyle/>
+          <a:p>
+            <a:r>
+              <a:rPr lang="en-CA" dirty="0"/>
+              <a:t>Why are there two distinct groups of points? A third of point are much higher than the rest. Hypothesized that all the highest points have the lowest fractional bits, but then why aren’t there 3 groups? </a:t>
+            </a:r>
+          </a:p>
+        </p:txBody>
+      </p:sp>
+      <p:sp>
+        <p:nvSpPr>
+          <p:cNvPr id="5" name="Google Shape;53;p9">
+            <a:extLst>
+              <a:ext uri="{FF2B5EF4-FFF2-40B4-BE49-F238E27FC236}">
+                <a16:creationId xmlns:a16="http://schemas.microsoft.com/office/drawing/2014/main" id="{586661B3-B4A3-7C30-6144-7809EAE6E8FF}"/>
+              </a:ext>
+            </a:extLst>
+          </p:cNvPr>
+          <p:cNvSpPr txBox="1"/>
+          <p:nvPr/>
+        </p:nvSpPr>
+        <p:spPr>
+          <a:xfrm>
+            <a:off x="6540730" y="1415563"/>
+            <a:ext cx="4955771" cy="1371601"/>
+          </a:xfrm>
+          <a:prstGeom prst="rect">
+            <a:avLst/>
+          </a:prstGeom>
+          <a:noFill/>
+          <a:ln>
+            <a:noFill/>
+          </a:ln>
+        </p:spPr>
+        <p:txBody>
+          <a:bodyPr spcFirstLastPara="1" wrap="square" lIns="91425" tIns="45700" rIns="91425" bIns="45700" anchor="t" anchorCtr="0">
+            <a:noAutofit/>
+          </a:bodyPr>
+          <a:lstStyle/>
+          <a:p>
+            <a:r>
+              <a:rPr lang="en-CA" dirty="0"/>
+              <a:t>Why are there multiple results where no DSPs are used? What causes DSPs not to be used, and is there a shared characteristic between all the designs with 0 DSPs? Are LUT based multipliers being used instead?</a:t>
+            </a:r>
+          </a:p>
+        </p:txBody>
+      </p:sp>
     </p:spTree>
     <p:extLst>
       <p:ext uri="{BB962C8B-B14F-4D97-AF65-F5344CB8AC3E}">
@@ -8247,7 +8328,7 @@
             <a:pPr lvl="0" algn="ctr"/>
             <a:r>
               <a:rPr lang="en-CA" sz="4000" dirty="0"/>
-              <a:t>Next Steps</a:t>
+              <a:t>Future Milestones</a:t>
             </a:r>
             <a:endParaRPr sz="4000" dirty="0"/>
           </a:p>
@@ -8535,7 +8616,7 @@
         </p:nvSpPr>
         <p:spPr>
           <a:xfrm>
-            <a:off x="1886850" y="2724139"/>
+            <a:off x="1886850" y="762337"/>
             <a:ext cx="8418300" cy="861600"/>
           </a:xfrm>
           <a:prstGeom prst="rect">
@@ -8551,9 +8632,230 @@
             <a:pPr lvl="0" algn="ctr"/>
             <a:r>
               <a:rPr lang="en-CA" sz="4000" dirty="0"/>
-              <a:t>Q&amp;A</a:t>
+              <a:t>References</a:t>
             </a:r>
             <a:endParaRPr sz="4000" dirty="0"/>
+          </a:p>
+        </p:txBody>
+      </p:sp>
+      <p:sp>
+        <p:nvSpPr>
+          <p:cNvPr id="3" name="TextBox 2">
+            <a:extLst>
+              <a:ext uri="{FF2B5EF4-FFF2-40B4-BE49-F238E27FC236}">
+                <a16:creationId xmlns:a16="http://schemas.microsoft.com/office/drawing/2014/main" id="{4A186716-253F-DB6E-4BC4-3C6D1BA4C968}"/>
+              </a:ext>
+            </a:extLst>
+          </p:cNvPr>
+          <p:cNvSpPr txBox="1"/>
+          <p:nvPr/>
+        </p:nvSpPr>
+        <p:spPr>
+          <a:xfrm>
+            <a:off x="518160" y="1660143"/>
+            <a:ext cx="11155680" cy="4278094"/>
+          </a:xfrm>
+          <a:prstGeom prst="rect">
+            <a:avLst/>
+          </a:prstGeom>
+          <a:noFill/>
+        </p:spPr>
+        <p:txBody>
+          <a:bodyPr wrap="square">
+            <a:spAutoFit/>
+          </a:bodyPr>
+          <a:lstStyle/>
+          <a:p>
+            <a:pPr marL="342900" indent="-342900">
+              <a:buFont typeface="+mj-lt"/>
+              <a:buAutoNum type="arabicPeriod"/>
+            </a:pPr>
+            <a:r>
+              <a:rPr lang="en-US" sz="1600" dirty="0"/>
+              <a:t>Z. S. Zaghloul and N. Elsayed, "The FPGA Hardware Implementation of the Gated Recurrent Unit Architecture," </a:t>
+            </a:r>
+            <a:r>
+              <a:rPr lang="en-US" sz="1600" dirty="0" err="1"/>
+              <a:t>SoutheastCon</a:t>
+            </a:r>
+            <a:r>
+              <a:rPr lang="en-US" sz="1600" dirty="0"/>
+              <a:t> 2021, Atlanta, GA, USA, 2021, pp. 1-5, </a:t>
+            </a:r>
+            <a:r>
+              <a:rPr lang="en-US" sz="1600" dirty="0" err="1"/>
+              <a:t>doi</a:t>
+            </a:r>
+            <a:r>
+              <a:rPr lang="en-US" sz="1600" dirty="0"/>
+              <a:t>: 10.1109/SoutheastCon45413.2021.9401819.</a:t>
+            </a:r>
+          </a:p>
+          <a:p>
+            <a:pPr marL="342900" indent="-342900">
+              <a:buFont typeface="+mj-lt"/>
+              <a:buAutoNum type="arabicPeriod"/>
+            </a:pPr>
+            <a:r>
+              <a:rPr lang="en-CA" sz="1600" dirty="0"/>
+              <a:t>K. S. Mohammed Rizwan, S. Nikhil Gowda, S. Yashwanth and K. </a:t>
+            </a:r>
+            <a:r>
+              <a:rPr lang="en-CA" sz="1600" dirty="0" err="1"/>
+              <a:t>Anuros</a:t>
+            </a:r>
+            <a:r>
+              <a:rPr lang="en-CA" sz="1600" dirty="0"/>
+              <a:t> Thomas, "Custom Hardware Architecture for FPGA-Based Gated Recurrent Unit," 2025 IEEE 14th International Conference on Communications, Circuits and Systems (ICCCAS), Wuhan, China, 2025, pp. 81-86, </a:t>
+            </a:r>
+            <a:r>
+              <a:rPr lang="en-CA" sz="1600" dirty="0" err="1"/>
+              <a:t>doi</a:t>
+            </a:r>
+            <a:r>
+              <a:rPr lang="en-CA" sz="1600" dirty="0"/>
+              <a:t>: 10.1109/ICCCAS65806.2025.11102499.</a:t>
+            </a:r>
+          </a:p>
+          <a:p>
+            <a:pPr marL="342900" indent="-342900">
+              <a:buFont typeface="+mj-lt"/>
+              <a:buAutoNum type="arabicPeriod"/>
+            </a:pPr>
+            <a:r>
+              <a:rPr lang="en-US" sz="1600" dirty="0"/>
+              <a:t>J. Chung, C. </a:t>
+            </a:r>
+            <a:r>
+              <a:rPr lang="en-US" sz="1600" dirty="0" err="1"/>
+              <a:t>Gulcehre</a:t>
+            </a:r>
+            <a:r>
+              <a:rPr lang="en-US" sz="1600" dirty="0"/>
+              <a:t>, K. Cho, and Y. Bengio, “Empirical evaluation of gated recurrent neural networks on sequence modeling,” </a:t>
+            </a:r>
+            <a:r>
+              <a:rPr lang="en-US" sz="1600" dirty="0" err="1"/>
+              <a:t>arXiv</a:t>
+            </a:r>
+            <a:r>
+              <a:rPr lang="en-US" sz="1600" dirty="0"/>
+              <a:t> preprint arXiv:1412.3555, 2014</a:t>
+            </a:r>
+          </a:p>
+          <a:p>
+            <a:pPr marL="342900" indent="-342900">
+              <a:buFont typeface="+mj-lt"/>
+              <a:buAutoNum type="arabicPeriod"/>
+            </a:pPr>
+            <a:r>
+              <a:rPr lang="en-CA" sz="1600" dirty="0"/>
+              <a:t>R. Garcia and A. Volkova, "Toward the Multiple Constant Multiplication at Minimal Hardware Cost," in IEEE Transactions on Circuits and Systems I: Regular Papers, vol. 70, no. 5, pp. 1976-1988, May 2023, </a:t>
+            </a:r>
+            <a:r>
+              <a:rPr lang="en-CA" sz="1600" dirty="0" err="1"/>
+              <a:t>doi</a:t>
+            </a:r>
+            <a:r>
+              <a:rPr lang="en-CA" sz="1600" dirty="0"/>
+              <a:t>: 10.1109/TCSI.2023.3241859.</a:t>
+            </a:r>
+          </a:p>
+          <a:p>
+            <a:pPr marL="342900" indent="-342900">
+              <a:buFont typeface="+mj-lt"/>
+              <a:buAutoNum type="arabicPeriod"/>
+            </a:pPr>
+            <a:r>
+              <a:rPr lang="en-CA" sz="1600" dirty="0"/>
+              <a:t>S. TAKAMAEDA-YAMAZAKI, H. NAKATSUKA, Y. TANAKA, and K. KISE, “Ultrasmall: A Tiny Soft processor architecture with multi-bit serial </a:t>
+            </a:r>
+            <a:r>
+              <a:rPr lang="en-CA" sz="1600" dirty="0" err="1"/>
+              <a:t>datapaths</a:t>
+            </a:r>
+            <a:r>
+              <a:rPr lang="en-CA" sz="1600" dirty="0"/>
+              <a:t> for </a:t>
+            </a:r>
+            <a:r>
+              <a:rPr lang="en-CA" sz="1600" dirty="0" err="1"/>
+              <a:t>fpgas</a:t>
+            </a:r>
+            <a:r>
+              <a:rPr lang="en-CA" sz="1600" dirty="0"/>
+              <a:t>,” </a:t>
+            </a:r>
+            <a:r>
+              <a:rPr lang="en-CA" sz="1600" i="1" dirty="0"/>
+              <a:t>IEICE Transactions on Information and Systems</a:t>
+            </a:r>
+            <a:r>
+              <a:rPr lang="en-CA" sz="1600" dirty="0"/>
+              <a:t>, vol. E98.D, no. 12, pp. 2150–2158, 2015. </a:t>
+            </a:r>
+          </a:p>
+          <a:p>
+            <a:pPr marL="342900" indent="-342900">
+              <a:buFont typeface="+mj-lt"/>
+              <a:buAutoNum type="arabicPeriod"/>
+            </a:pPr>
+            <a:r>
+              <a:rPr lang="en-CA" sz="1600" dirty="0"/>
+              <a:t>S. A. White, "Applications of distributed arithmetic to digital signal processing: a tutorial review," in IEEE ASSP Magazine, vol. 6, no. 3, pp. 4-19, July 1989, </a:t>
+            </a:r>
+            <a:r>
+              <a:rPr lang="en-CA" sz="1600" dirty="0" err="1"/>
+              <a:t>doi</a:t>
+            </a:r>
+            <a:r>
+              <a:rPr lang="en-CA" sz="1600" dirty="0"/>
+              <a:t>: 10.1109/53.29648.</a:t>
+            </a:r>
+          </a:p>
+          <a:p>
+            <a:pPr marL="342900" indent="-342900">
+              <a:buFont typeface="+mj-lt"/>
+              <a:buAutoNum type="arabicPeriod"/>
+            </a:pPr>
+            <a:r>
+              <a:rPr lang="en-CA" sz="1600" dirty="0"/>
+              <a:t>A. </a:t>
+            </a:r>
+            <a:r>
+              <a:rPr lang="en-CA" sz="1600" dirty="0" err="1"/>
+              <a:t>Shawahna</a:t>
+            </a:r>
+            <a:r>
+              <a:rPr lang="en-CA" sz="1600" dirty="0"/>
+              <a:t>, S. M. Sait, and A. El-Maleh, “FPGA-based accelerators of deep learning networks for learning and classification: A Review,” </a:t>
+            </a:r>
+            <a:r>
+              <a:rPr lang="en-CA" sz="1600" i="1" dirty="0"/>
+              <a:t>IEEE Access</a:t>
+            </a:r>
+            <a:r>
+              <a:rPr lang="en-CA" sz="1600" dirty="0"/>
+              <a:t>, vol. 7, pp. 7823–7859, 2019. doi:10.1109/access.2018.2890150 </a:t>
+            </a:r>
+          </a:p>
+          <a:p>
+            <a:pPr marL="342900" indent="-342900">
+              <a:buFont typeface="+mj-lt"/>
+              <a:buAutoNum type="arabicPeriod"/>
+            </a:pPr>
+            <a:r>
+              <a:rPr lang="en-CA" sz="1600" dirty="0"/>
+              <a:t>S. </a:t>
+            </a:r>
+            <a:r>
+              <a:rPr lang="en-CA" sz="1600" dirty="0" err="1"/>
+              <a:t>Sorayaasa</a:t>
+            </a:r>
+            <a:r>
+              <a:rPr lang="en-CA" sz="1600" dirty="0"/>
+              <a:t>, “Different Implementation Methods of TANH on FPGAs For Neural Networks Application,” thesis, 2022 </a:t>
+            </a:r>
           </a:p>
         </p:txBody>
       </p:sp>
@@ -8825,7 +9127,7 @@
         </p:nvSpPr>
         <p:spPr>
           <a:xfrm>
-            <a:off x="1073369" y="2310613"/>
+            <a:off x="1073369" y="2005812"/>
             <a:ext cx="10045262" cy="1423188"/>
           </a:xfrm>
           <a:prstGeom prst="rect">
@@ -8845,6 +9147,162 @@
             <a:r>
               <a:rPr lang="en-CA" sz="2000" dirty="0"/>
               <a:t>How does input size, hidden state size, word size, and the usage of shift-and-add multiplication affect resource usage, inference time, power consumption, and accuracy of brain-computer interface gated recurrent unit machine learning models deployed on field-programmable gate arrays compared to current hardware and software implementations?</a:t>
+            </a:r>
+          </a:p>
+        </p:txBody>
+      </p:sp>
+      <p:sp>
+        <p:nvSpPr>
+          <p:cNvPr id="2" name="Google Shape;53;p9">
+            <a:extLst>
+              <a:ext uri="{FF2B5EF4-FFF2-40B4-BE49-F238E27FC236}">
+                <a16:creationId xmlns:a16="http://schemas.microsoft.com/office/drawing/2014/main" id="{FC1E974C-766A-4495-81CB-8A1FE2D3FA57}"/>
+              </a:ext>
+            </a:extLst>
+          </p:cNvPr>
+          <p:cNvSpPr txBox="1"/>
+          <p:nvPr/>
+        </p:nvSpPr>
+        <p:spPr>
+          <a:xfrm>
+            <a:off x="1073369" y="3428999"/>
+            <a:ext cx="5022631" cy="1932709"/>
+          </a:xfrm>
+          <a:prstGeom prst="rect">
+            <a:avLst/>
+          </a:prstGeom>
+          <a:noFill/>
+          <a:ln>
+            <a:noFill/>
+          </a:ln>
+        </p:spPr>
+        <p:txBody>
+          <a:bodyPr spcFirstLastPara="1" wrap="square" lIns="91425" tIns="45700" rIns="91425" bIns="45700" anchor="t" anchorCtr="0">
+            <a:noAutofit/>
+          </a:bodyPr>
+          <a:lstStyle/>
+          <a:p>
+            <a:r>
+              <a:rPr lang="en-CA" sz="2000" dirty="0"/>
+              <a:t>Independent Variables:</a:t>
+            </a:r>
+          </a:p>
+          <a:p>
+            <a:pPr marL="342900" indent="-342900">
+              <a:buFont typeface="Arial" panose="020B0604020202020204" pitchFamily="34" charset="0"/>
+              <a:buChar char="•"/>
+            </a:pPr>
+            <a:r>
+              <a:rPr lang="en-CA" sz="2000" dirty="0"/>
+              <a:t>Input Size</a:t>
+            </a:r>
+          </a:p>
+          <a:p>
+            <a:pPr marL="342900" indent="-342900">
+              <a:buFont typeface="Arial" panose="020B0604020202020204" pitchFamily="34" charset="0"/>
+              <a:buChar char="•"/>
+            </a:pPr>
+            <a:r>
+              <a:rPr lang="en-CA" sz="2000" dirty="0"/>
+              <a:t>Hidden State Size</a:t>
+            </a:r>
+          </a:p>
+          <a:p>
+            <a:pPr marL="342900" indent="-342900">
+              <a:buFont typeface="Arial" panose="020B0604020202020204" pitchFamily="34" charset="0"/>
+              <a:buChar char="•"/>
+            </a:pPr>
+            <a:r>
+              <a:rPr lang="en-CA" sz="2000" dirty="0"/>
+              <a:t>Word Size</a:t>
+            </a:r>
+          </a:p>
+          <a:p>
+            <a:pPr marL="342900" indent="-342900">
+              <a:buFont typeface="Arial" panose="020B0604020202020204" pitchFamily="34" charset="0"/>
+              <a:buChar char="•"/>
+            </a:pPr>
+            <a:r>
+              <a:rPr lang="en-CA" sz="2000" dirty="0"/>
+              <a:t>Usage of Shift-and-Add Multiplication</a:t>
+            </a:r>
+          </a:p>
+        </p:txBody>
+      </p:sp>
+      <p:sp>
+        <p:nvSpPr>
+          <p:cNvPr id="3" name="Google Shape;53;p9">
+            <a:extLst>
+              <a:ext uri="{FF2B5EF4-FFF2-40B4-BE49-F238E27FC236}">
+                <a16:creationId xmlns:a16="http://schemas.microsoft.com/office/drawing/2014/main" id="{CF3A054F-A3DA-0E83-1994-ED6D48165B03}"/>
+              </a:ext>
+            </a:extLst>
+          </p:cNvPr>
+          <p:cNvSpPr txBox="1"/>
+          <p:nvPr/>
+        </p:nvSpPr>
+        <p:spPr>
+          <a:xfrm>
+            <a:off x="6096000" y="3428999"/>
+            <a:ext cx="5022631" cy="1932709"/>
+          </a:xfrm>
+          <a:prstGeom prst="rect">
+            <a:avLst/>
+          </a:prstGeom>
+          <a:noFill/>
+          <a:ln>
+            <a:noFill/>
+          </a:ln>
+        </p:spPr>
+        <p:txBody>
+          <a:bodyPr spcFirstLastPara="1" wrap="square" lIns="91425" tIns="45700" rIns="91425" bIns="45700" anchor="t" anchorCtr="0">
+            <a:noAutofit/>
+          </a:bodyPr>
+          <a:lstStyle/>
+          <a:p>
+            <a:r>
+              <a:rPr lang="en-CA" sz="2000" dirty="0"/>
+              <a:t>Dependent Variables:</a:t>
+            </a:r>
+          </a:p>
+          <a:p>
+            <a:pPr marL="342900" indent="-342900">
+              <a:buFont typeface="Arial" panose="020B0604020202020204" pitchFamily="34" charset="0"/>
+              <a:buChar char="•"/>
+            </a:pPr>
+            <a:r>
+              <a:rPr lang="en-CA" sz="2000" dirty="0"/>
+              <a:t>Resource Usage</a:t>
+            </a:r>
+          </a:p>
+          <a:p>
+            <a:pPr marL="342900" indent="-342900">
+              <a:buFont typeface="Arial" panose="020B0604020202020204" pitchFamily="34" charset="0"/>
+              <a:buChar char="•"/>
+            </a:pPr>
+            <a:r>
+              <a:rPr lang="en-CA" sz="2000" dirty="0"/>
+              <a:t>Inference Time</a:t>
+            </a:r>
+          </a:p>
+          <a:p>
+            <a:pPr marL="342900" indent="-342900">
+              <a:buFont typeface="Arial" panose="020B0604020202020204" pitchFamily="34" charset="0"/>
+              <a:buChar char="•"/>
+            </a:pPr>
+            <a:r>
+              <a:rPr lang="en-CA" sz="2000" dirty="0"/>
+              <a:t>Power Consumption</a:t>
+            </a:r>
+          </a:p>
+          <a:p>
+            <a:pPr marL="342900" indent="-342900">
+              <a:buFont typeface="Arial" panose="020B0604020202020204" pitchFamily="34" charset="0"/>
+              <a:buChar char="•"/>
+            </a:pPr>
+            <a:r>
+              <a:rPr lang="en-CA" sz="2000" dirty="0"/>
+              <a:t>Accuracy</a:t>
             </a:r>
           </a:p>
         </p:txBody>
@@ -8934,7 +9392,7 @@
             </a:br>
             <a:r>
               <a:rPr lang="en-US" sz="4000" dirty="0"/>
-              <a:t>Lack of GRU Hardware Implementations</a:t>
+              <a:t>Limited GRU Hardware Implementations</a:t>
             </a:r>
             <a:endParaRPr sz="4000" dirty="0"/>
           </a:p>
@@ -9145,10 +9603,10 @@
       </p:pic>
       <p:sp>
         <p:nvSpPr>
-          <p:cNvPr id="7" name="TextBox 6">
-            <a:extLst>
-              <a:ext uri="{FF2B5EF4-FFF2-40B4-BE49-F238E27FC236}">
-                <a16:creationId xmlns:a16="http://schemas.microsoft.com/office/drawing/2014/main" id="{A01B82AA-2F31-2DCC-6F78-AEAF47E662F0}"/>
+          <p:cNvPr id="3" name="Google Shape;53;p9">
+            <a:extLst>
+              <a:ext uri="{FF2B5EF4-FFF2-40B4-BE49-F238E27FC236}">
+                <a16:creationId xmlns:a16="http://schemas.microsoft.com/office/drawing/2014/main" id="{F227C2E2-C885-0B1C-8528-ED497B9C17C6}"/>
               </a:ext>
             </a:extLst>
           </p:cNvPr>
@@ -9157,93 +9615,49 @@
         </p:nvSpPr>
         <p:spPr>
           <a:xfrm>
-            <a:off x="0" y="5957754"/>
-            <a:ext cx="12192000" cy="900246"/>
+            <a:off x="624905" y="5182327"/>
+            <a:ext cx="3116604" cy="491213"/>
           </a:xfrm>
           <a:prstGeom prst="rect">
             <a:avLst/>
           </a:prstGeom>
           <a:noFill/>
+          <a:ln>
+            <a:noFill/>
+          </a:ln>
         </p:spPr>
         <p:txBody>
-          <a:bodyPr wrap="square">
-            <a:spAutoFit/>
+          <a:bodyPr spcFirstLastPara="1" wrap="square" lIns="91425" tIns="45700" rIns="91425" bIns="45700" anchor="t" anchorCtr="0">
+            <a:noAutofit/>
           </a:bodyPr>
           <a:lstStyle/>
           <a:p>
-            <a:r>
-              <a:rPr lang="en-US" sz="1050" dirty="0"/>
-              <a:t>1. Z. S. Zaghloul and N. Elsayed, "The FPGA Hardware Implementation of the Gated Recurrent Unit Architecture," </a:t>
-            </a:r>
-            <a:r>
-              <a:rPr lang="en-US" sz="1050" dirty="0" err="1"/>
-              <a:t>SoutheastCon</a:t>
-            </a:r>
-            <a:r>
-              <a:rPr lang="en-US" sz="1050" dirty="0"/>
-              <a:t> 2021, Atlanta, GA, USA, 2021, pp. 1-5, </a:t>
-            </a:r>
-            <a:r>
-              <a:rPr lang="en-US" sz="1050" dirty="0" err="1"/>
-              <a:t>doi</a:t>
-            </a:r>
-            <a:r>
-              <a:rPr lang="en-US" sz="1050" dirty="0"/>
-              <a:t>: 10.1109/SoutheastCon45413.2021.9401819.</a:t>
-            </a:r>
-          </a:p>
-          <a:p>
-            <a:r>
-              <a:rPr lang="en-US" sz="1050" dirty="0"/>
-              <a:t>2. </a:t>
-            </a:r>
-            <a:r>
-              <a:rPr lang="en-CA" sz="1050" dirty="0"/>
-              <a:t>K. S. Mohammed Rizwan, S. Nikhil Gowda, S. Yashwanth and K. </a:t>
-            </a:r>
-            <a:r>
-              <a:rPr lang="en-CA" sz="1050" dirty="0" err="1"/>
-              <a:t>Anuros</a:t>
-            </a:r>
-            <a:r>
-              <a:rPr lang="en-CA" sz="1050" dirty="0"/>
-              <a:t> Thomas, "Custom Hardware Architecture for FPGA-Based Gated Recurrent Unit," 2025 IEEE 14th International Conference on Communications, Circuits and Systems (ICCCAS), Wuhan, China, 2025, pp. 81-86, </a:t>
-            </a:r>
-            <a:r>
-              <a:rPr lang="en-CA" sz="1050" dirty="0" err="1"/>
-              <a:t>doi</a:t>
-            </a:r>
-            <a:r>
-              <a:rPr lang="en-CA" sz="1050" dirty="0"/>
-              <a:t>: 10.1109/ICCCAS65806.2025.11102499.</a:t>
-            </a:r>
-          </a:p>
-          <a:p>
-            <a:r>
-              <a:rPr lang="en-CA" sz="1050" dirty="0"/>
-              <a:t>3. </a:t>
-            </a:r>
-            <a:r>
-              <a:rPr lang="en-US" sz="1050" dirty="0"/>
-              <a:t>J. Chung, C. </a:t>
-            </a:r>
-            <a:r>
-              <a:rPr lang="en-US" sz="1050" dirty="0" err="1"/>
-              <a:t>Gulcehre</a:t>
-            </a:r>
-            <a:r>
-              <a:rPr lang="en-US" sz="1050" dirty="0"/>
-              <a:t>, K. Cho, and Y. Bengio, “Empirical evaluation of gated recurrent neural networks on sequence modeling,” </a:t>
-            </a:r>
-            <a:r>
-              <a:rPr lang="en-US" sz="1050" dirty="0" err="1"/>
-              <a:t>arXiv</a:t>
-            </a:r>
-            <a:r>
-              <a:rPr lang="en-US" sz="1050" dirty="0"/>
-              <a:t> preprint arXiv:1412.3555, 2014</a:t>
-            </a:r>
-            <a:endParaRPr lang="en-CA" sz="1050" dirty="0"/>
+            <a:pPr lvl="0" algn="l" rtl="0">
+              <a:lnSpc>
+                <a:spcPct val="90000"/>
+              </a:lnSpc>
+              <a:spcBef>
+                <a:spcPts val="1000"/>
+              </a:spcBef>
+              <a:spcAft>
+                <a:spcPts val="0"/>
+              </a:spcAft>
+            </a:pPr>
+            <a:r>
+              <a:rPr lang="en-US" sz="2000" dirty="0">
+                <a:latin typeface="Calibri"/>
+                <a:ea typeface="Calibri"/>
+                <a:cs typeface="Calibri"/>
+                <a:sym typeface="Calibri"/>
+              </a:rPr>
+              <a:t>Unraveled GRU Architecture</a:t>
+            </a:r>
+            <a:endParaRPr sz="2000" dirty="0">
+              <a:latin typeface="Calibri"/>
+              <a:ea typeface="Calibri"/>
+              <a:cs typeface="Calibri"/>
+              <a:sym typeface="Calibri"/>
+            </a:endParaRPr>
           </a:p>
         </p:txBody>
       </p:sp>
@@ -9301,7 +9715,7 @@
         </p:nvSpPr>
         <p:spPr>
           <a:xfrm>
-            <a:off x="1886850" y="480475"/>
+            <a:off x="1886850" y="854548"/>
             <a:ext cx="8418300" cy="861600"/>
           </a:xfrm>
           <a:prstGeom prst="rect">
@@ -9342,10 +9756,16 @@
           <p:cNvGraphicFramePr>
             <a:graphicFrameLocks noGrp="1"/>
           </p:cNvGraphicFramePr>
-          <p:nvPr/>
+          <p:nvPr>
+            <p:extLst>
+              <p:ext uri="{D42A27DB-BD31-4B8C-83A1-F6EECF244321}">
+                <p14:modId xmlns:p14="http://schemas.microsoft.com/office/powerpoint/2010/main" val="3218534461"/>
+              </p:ext>
+            </p:extLst>
+          </p:nvPr>
         </p:nvGraphicFramePr>
         <p:xfrm>
-          <a:off x="928194" y="1774613"/>
+          <a:off x="928194" y="1948118"/>
           <a:ext cx="10335611" cy="4152900"/>
         </p:xfrm>
         <a:graphic>
@@ -9384,7 +9804,7 @@
                         <a:buNone/>
                       </a:pPr>
                       <a:r>
-                        <a:rPr lang="en-CA" sz="2000" kern="100" dirty="0">
+                        <a:rPr lang="en-CA" sz="2000" b="1" kern="100" dirty="0">
                           <a:effectLst/>
                           <a:latin typeface="Calibri" panose="020F0502020204030204" pitchFamily="34" charset="0"/>
                           <a:ea typeface="Calibri" panose="020F0502020204030204" pitchFamily="34" charset="0"/>
@@ -9411,7 +9831,7 @@
                         <a:buNone/>
                       </a:pPr>
                       <a:r>
-                        <a:rPr lang="en-CA" sz="2000" kern="100">
+                        <a:rPr lang="en-CA" sz="2000" b="1" kern="100" dirty="0">
                           <a:effectLst/>
                           <a:latin typeface="Calibri" panose="020F0502020204030204" pitchFamily="34" charset="0"/>
                           <a:ea typeface="Calibri" panose="020F0502020204030204" pitchFamily="34" charset="0"/>
@@ -9451,7 +9871,7 @@
                           <a:ea typeface="Calibri" panose="020F0502020204030204" pitchFamily="34" charset="0"/>
                           <a:cs typeface="Calibri" panose="020F0502020204030204" pitchFamily="34" charset="0"/>
                         </a:rPr>
-                        <a:t>Shift-And-Add Multiplication</a:t>
+                        <a:t>Shift-And-Add Multiplication [4]</a:t>
                       </a:r>
                     </a:p>
                   </a:txBody>
@@ -9519,7 +9939,7 @@
                           <a:ea typeface="Calibri" panose="020F0502020204030204" pitchFamily="34" charset="0"/>
                           <a:cs typeface="Calibri" panose="020F0502020204030204" pitchFamily="34" charset="0"/>
                         </a:rPr>
-                        <a:t>Bit Serial Structures</a:t>
+                        <a:t>Bit Serial Structures [5]</a:t>
                       </a:r>
                     </a:p>
                   </a:txBody>
@@ -9587,7 +10007,7 @@
                           <a:ea typeface="Calibri" panose="020F0502020204030204" pitchFamily="34" charset="0"/>
                           <a:cs typeface="Calibri" panose="020F0502020204030204" pitchFamily="34" charset="0"/>
                         </a:rPr>
-                        <a:t>Distributed Arithmetic</a:t>
+                        <a:t>Distributed Arithmetic [6]</a:t>
                       </a:r>
                     </a:p>
                   </a:txBody>
@@ -9649,13 +10069,13 @@
                         <a:buNone/>
                       </a:pPr>
                       <a:r>
-                        <a:rPr lang="en-CA" sz="2000" kern="100">
+                        <a:rPr lang="en-CA" sz="2000" kern="100" dirty="0">
                           <a:effectLst/>
                           <a:latin typeface="Calibri" panose="020F0502020204030204" pitchFamily="34" charset="0"/>
                           <a:ea typeface="Calibri" panose="020F0502020204030204" pitchFamily="34" charset="0"/>
                           <a:cs typeface="Calibri" panose="020F0502020204030204" pitchFamily="34" charset="0"/>
                         </a:rPr>
-                        <a:t>Mixed Precision</a:t>
+                        <a:t>Mixed Precision [7]</a:t>
                       </a:r>
                     </a:p>
                   </a:txBody>
@@ -9717,13 +10137,13 @@
                         <a:buNone/>
                       </a:pPr>
                       <a:r>
-                        <a:rPr lang="en-CA" sz="2000" kern="100">
+                        <a:rPr lang="en-CA" sz="2000" kern="100" dirty="0">
                           <a:effectLst/>
                           <a:latin typeface="Calibri" panose="020F0502020204030204" pitchFamily="34" charset="0"/>
                           <a:ea typeface="Calibri" panose="020F0502020204030204" pitchFamily="34" charset="0"/>
                           <a:cs typeface="Calibri" panose="020F0502020204030204" pitchFamily="34" charset="0"/>
                         </a:rPr>
-                        <a:t>Alternative Implementation of Sigmoid and Hyperbolic Tangent Functions</a:t>
+                        <a:t>Alternative Implementation of Sigmoid and Hyperbolic Tangent Functions [8]</a:t>
                       </a:r>
                     </a:p>
                   </a:txBody>
@@ -9882,7 +10302,15 @@
           <a:p>
             <a:r>
               <a:rPr lang="en-CA" sz="2000" dirty="0"/>
-              <a:t>The experimental system comprises several interconnected Python modules and a TCL script that automate the entire design, implementation, and analysis pipeline:</a:t>
+              <a:t>The experimental system comprises several interconnected Python modules and a </a:t>
+            </a:r>
+            <a:r>
+              <a:rPr lang="en-CA" sz="2000" dirty="0" err="1"/>
+              <a:t>Tcl</a:t>
+            </a:r>
+            <a:r>
+              <a:rPr lang="en-CA" sz="2000" dirty="0"/>
+              <a:t> script that automate the entire design, implementation, and analysis pipeline:</a:t>
             </a:r>
           </a:p>
           <a:p>
@@ -9892,7 +10320,7 @@
             </a:pPr>
             <a:r>
               <a:rPr lang="en-CA" sz="2000" dirty="0"/>
-              <a:t>Python scripts (generate_gru_sv.py, generate_top_level_sv.py, generate_gru_tb_sv.py) automatically generate SystemVerilog code for the GRU module, top-level wrapper, and testbench based on specified parameters.</a:t>
+              <a:t>Python scripts automatically generate SystemVerilog code for the GRU module, top-level wrapper, and testbench based on specified parameters.</a:t>
             </a:r>
           </a:p>
           <a:p>
@@ -9902,15 +10330,15 @@
             </a:pPr>
             <a:r>
               <a:rPr lang="en-CA" sz="2000" dirty="0"/>
-              <a:t>A TCL script (</a:t>
+              <a:t>A </a:t>
             </a:r>
             <a:r>
               <a:rPr lang="en-CA" sz="2000" dirty="0" err="1"/>
-              <a:t>run_vivado.tcl</a:t>
+              <a:t>Tcl</a:t>
             </a:r>
             <a:r>
               <a:rPr lang="en-CA" sz="2000" dirty="0"/>
-              <a:t>) orchestrates the Xilinx Vivado tool to perform simulation, synthesis, optimization, placement, and routing while generating detailed reports.</a:t>
+              <a:t> script orchestrates the Xilinx Vivado tool to perform simulation, synthesis, optimization, placement, and routing while generating detailed reports.</a:t>
             </a:r>
           </a:p>
           <a:p>
@@ -9920,7 +10348,7 @@
             </a:pPr>
             <a:r>
               <a:rPr lang="en-CA" sz="2000" dirty="0"/>
-              <a:t>Python scripts (extract_metrics.py, float_to_fixed_point.py) parse Vivado-generated reports and simulation outputs to extract hardware metrics and calculate accuracy measurements.</a:t>
+              <a:t>Python scripts parse Vivado-generated reports and simulation outputs to extract hardware metrics and calculate accuracy measurements.</a:t>
             </a:r>
           </a:p>
           <a:p>
@@ -9930,7 +10358,7 @@
             </a:pPr>
             <a:r>
               <a:rPr lang="en-CA" sz="2000" dirty="0"/>
-              <a:t>The main orchestration script (main.py) coordinates all phases, collects results, calculates Mean Absolute Error (MAE) metrics, and compiles data into a structured format for analysis.</a:t>
+              <a:t>The main script coordinates all phases, collects results, calculates Mean Absolute Error (MAE), and compiles data into a structured format for analysis.</a:t>
             </a:r>
           </a:p>
         </p:txBody>
@@ -10431,10 +10859,10 @@
       </p:sp>
       <p:pic>
         <p:nvPicPr>
-          <p:cNvPr id="2" name="Picture 1">
-            <a:extLst>
-              <a:ext uri="{FF2B5EF4-FFF2-40B4-BE49-F238E27FC236}">
-                <a16:creationId xmlns:a16="http://schemas.microsoft.com/office/drawing/2014/main" id="{5E3877C9-ABBC-B472-ACD9-A45A0B2AB932}"/>
+          <p:cNvPr id="4" name="Picture 3" descr="A chart with different colored squares&#10;&#10;AI-generated content may be incorrect.">
+            <a:extLst>
+              <a:ext uri="{FF2B5EF4-FFF2-40B4-BE49-F238E27FC236}">
+                <a16:creationId xmlns:a16="http://schemas.microsoft.com/office/drawing/2014/main" id="{9233DEE2-3111-8C7C-C7A0-25CABF89B8D0}"/>
               </a:ext>
             </a:extLst>
           </p:cNvPr>
@@ -10444,30 +10872,25 @@
           <p:nvPr/>
         </p:nvPicPr>
         <p:blipFill>
-          <a:blip r:embed="rId3" cstate="print">
+          <a:blip r:embed="rId3">
             <a:extLst>
               <a:ext uri="{28A0092B-C50C-407E-A947-70E740481C1C}">
                 <a14:useLocalDpi xmlns:a14="http://schemas.microsoft.com/office/drawing/2010/main" val="0"/>
               </a:ext>
             </a:extLst>
           </a:blip>
-          <a:srcRect/>
           <a:stretch>
             <a:fillRect/>
           </a:stretch>
         </p:blipFill>
-        <p:spPr bwMode="auto">
+        <p:spPr>
           <a:xfrm>
-            <a:off x="499806" y="1690688"/>
-            <a:ext cx="11192387" cy="4372494"/>
+            <a:off x="380988" y="1912196"/>
+            <a:ext cx="11430023" cy="4465329"/>
           </a:xfrm>
           <a:prstGeom prst="rect">
             <a:avLst/>
           </a:prstGeom>
-          <a:noFill/>
-          <a:ln>
-            <a:noFill/>
-          </a:ln>
         </p:spPr>
       </p:pic>
     </p:spTree>

--- a/Thesis Proposal Defence.pptx
+++ b/Thesis Proposal Defence.pptx
@@ -209,7 +209,7 @@
           <a:p>
             <a:fld id="{1BF8C320-1D1B-4A01-A637-3E15027DC91A}" type="datetimeFigureOut">
               <a:rPr lang="en-CA" smtClean="0"/>
-              <a:t>2025-12-02</a:t>
+              <a:t>2025-12-03</a:t>
             </a:fld>
             <a:endParaRPr lang="en-CA"/>
           </a:p>
@@ -2878,7 +2878,7 @@
           <a:p>
             <a:fld id="{78ED8958-4744-4512-A73A-B7842DF6E36C}" type="datetimeFigureOut">
               <a:rPr lang="en-CA" smtClean="0"/>
-              <a:t>2025-12-02</a:t>
+              <a:t>2025-12-03</a:t>
             </a:fld>
             <a:endParaRPr lang="en-CA"/>
           </a:p>
@@ -3078,7 +3078,7 @@
           <a:p>
             <a:fld id="{78ED8958-4744-4512-A73A-B7842DF6E36C}" type="datetimeFigureOut">
               <a:rPr lang="en-CA" smtClean="0"/>
-              <a:t>2025-12-02</a:t>
+              <a:t>2025-12-03</a:t>
             </a:fld>
             <a:endParaRPr lang="en-CA"/>
           </a:p>
@@ -3288,7 +3288,7 @@
           <a:p>
             <a:fld id="{78ED8958-4744-4512-A73A-B7842DF6E36C}" type="datetimeFigureOut">
               <a:rPr lang="en-CA" smtClean="0"/>
-              <a:t>2025-12-02</a:t>
+              <a:t>2025-12-03</a:t>
             </a:fld>
             <a:endParaRPr lang="en-CA"/>
           </a:p>
@@ -5226,7 +5226,7 @@
           <a:p>
             <a:fld id="{78ED8958-4744-4512-A73A-B7842DF6E36C}" type="datetimeFigureOut">
               <a:rPr lang="en-CA" smtClean="0"/>
-              <a:t>2025-12-02</a:t>
+              <a:t>2025-12-03</a:t>
             </a:fld>
             <a:endParaRPr lang="en-CA"/>
           </a:p>
@@ -5502,7 +5502,7 @@
           <a:p>
             <a:fld id="{78ED8958-4744-4512-A73A-B7842DF6E36C}" type="datetimeFigureOut">
               <a:rPr lang="en-CA" smtClean="0"/>
-              <a:t>2025-12-02</a:t>
+              <a:t>2025-12-03</a:t>
             </a:fld>
             <a:endParaRPr lang="en-CA"/>
           </a:p>
@@ -5770,7 +5770,7 @@
           <a:p>
             <a:fld id="{78ED8958-4744-4512-A73A-B7842DF6E36C}" type="datetimeFigureOut">
               <a:rPr lang="en-CA" smtClean="0"/>
-              <a:t>2025-12-02</a:t>
+              <a:t>2025-12-03</a:t>
             </a:fld>
             <a:endParaRPr lang="en-CA"/>
           </a:p>
@@ -6185,7 +6185,7 @@
           <a:p>
             <a:fld id="{78ED8958-4744-4512-A73A-B7842DF6E36C}" type="datetimeFigureOut">
               <a:rPr lang="en-CA" smtClean="0"/>
-              <a:t>2025-12-02</a:t>
+              <a:t>2025-12-03</a:t>
             </a:fld>
             <a:endParaRPr lang="en-CA"/>
           </a:p>
@@ -6327,7 +6327,7 @@
           <a:p>
             <a:fld id="{78ED8958-4744-4512-A73A-B7842DF6E36C}" type="datetimeFigureOut">
               <a:rPr lang="en-CA" smtClean="0"/>
-              <a:t>2025-12-02</a:t>
+              <a:t>2025-12-03</a:t>
             </a:fld>
             <a:endParaRPr lang="en-CA"/>
           </a:p>
@@ -6440,7 +6440,7 @@
           <a:p>
             <a:fld id="{78ED8958-4744-4512-A73A-B7842DF6E36C}" type="datetimeFigureOut">
               <a:rPr lang="en-CA" smtClean="0"/>
-              <a:t>2025-12-02</a:t>
+              <a:t>2025-12-03</a:t>
             </a:fld>
             <a:endParaRPr lang="en-CA"/>
           </a:p>
@@ -6753,7 +6753,7 @@
           <a:p>
             <a:fld id="{78ED8958-4744-4512-A73A-B7842DF6E36C}" type="datetimeFigureOut">
               <a:rPr lang="en-CA" smtClean="0"/>
-              <a:t>2025-12-02</a:t>
+              <a:t>2025-12-03</a:t>
             </a:fld>
             <a:endParaRPr lang="en-CA"/>
           </a:p>
@@ -7042,7 +7042,7 @@
           <a:p>
             <a:fld id="{78ED8958-4744-4512-A73A-B7842DF6E36C}" type="datetimeFigureOut">
               <a:rPr lang="en-CA" smtClean="0"/>
-              <a:t>2025-12-02</a:t>
+              <a:t>2025-12-03</a:t>
             </a:fld>
             <a:endParaRPr lang="en-CA"/>
           </a:p>
@@ -7285,7 +7285,7 @@
           <a:p>
             <a:fld id="{78ED8958-4744-4512-A73A-B7842DF6E36C}" type="datetimeFigureOut">
               <a:rPr lang="en-CA" smtClean="0"/>
-              <a:t>2025-12-02</a:t>
+              <a:t>2025-12-03</a:t>
             </a:fld>
             <a:endParaRPr lang="en-CA"/>
           </a:p>
@@ -8114,7 +8114,7 @@
         </p:nvSpPr>
         <p:spPr>
           <a:xfrm>
-            <a:off x="1886850" y="1555742"/>
+            <a:off x="1886850" y="458462"/>
             <a:ext cx="8418300" cy="861600"/>
           </a:xfrm>
           <a:prstGeom prst="rect">
@@ -8150,8 +8150,8 @@
         </p:nvSpPr>
         <p:spPr>
           <a:xfrm>
-            <a:off x="4400550" y="2451209"/>
-            <a:ext cx="3390900" cy="2583122"/>
+            <a:off x="457200" y="1353929"/>
+            <a:ext cx="11144250" cy="2583122"/>
           </a:xfrm>
           <a:prstGeom prst="rect">
             <a:avLst/>
@@ -8172,8 +8172,8 @@
               <a:buChar char="•"/>
             </a:pPr>
             <a:r>
-              <a:rPr lang="en-CA" dirty="0"/>
-              <a:t>Chapter 1: Abstract</a:t>
+              <a:rPr lang="en-US" dirty="0"/>
+              <a:t>Chapter 1: Introduction - Establishes the research context for FPGA-based GRU implementation in BCI applications and defines the central research question examining design parameter trade-offs.</a:t>
             </a:r>
           </a:p>
           <a:p>
@@ -8182,8 +8182,8 @@
               <a:buChar char="•"/>
             </a:pPr>
             <a:r>
-              <a:rPr lang="en-CA" dirty="0"/>
-              <a:t>Chapter 2: Introduction</a:t>
+              <a:rPr lang="en-US" dirty="0"/>
+              <a:t>Chapter 2: Literature Review - Surveys existing work on GRUs, FPGAs, and BCIs while identifying gaps in hardware-specific optimizations and justifying systematic design space exploration.</a:t>
             </a:r>
           </a:p>
           <a:p>
@@ -8192,8 +8192,16 @@
               <a:buChar char="•"/>
             </a:pPr>
             <a:r>
-              <a:rPr lang="en-CA" dirty="0"/>
-              <a:t>Chapter 3: Literature Review</a:t>
+              <a:rPr lang="en-US" dirty="0"/>
+              <a:t>Chapter 3: Methodology - Describes the automated framework using Python and </a:t>
+            </a:r>
+            <a:r>
+              <a:rPr lang="en-US" dirty="0" err="1"/>
+              <a:t>Tcl</a:t>
+            </a:r>
+            <a:r>
+              <a:rPr lang="en-US" dirty="0"/>
+              <a:t> to generate parameterized GRU modules, synthesize them via Xilinx Vivado, and analyze performance metrics.</a:t>
             </a:r>
           </a:p>
           <a:p>
@@ -8202,8 +8210,8 @@
               <a:buChar char="•"/>
             </a:pPr>
             <a:r>
-              <a:rPr lang="en-CA" dirty="0"/>
-              <a:t>Chapter 4: Methodology</a:t>
+              <a:rPr lang="en-US" dirty="0"/>
+              <a:t>Chapter 4: Results - Presents hardware and accuracy metrics across tested configurations, demonstrating how design parameters affect resource utilization, timing, power consumption, and error rates.</a:t>
             </a:r>
           </a:p>
           <a:p>
@@ -8212,8 +8220,8 @@
               <a:buChar char="•"/>
             </a:pPr>
             <a:r>
-              <a:rPr lang="en-CA" dirty="0"/>
-              <a:t>Chapter 5: Results</a:t>
+              <a:rPr lang="en-US" dirty="0"/>
+              <a:t>Chapter 5: Discussion - Interprets experimental findings, analyzes hardware optimization effectiveness, and discusses implications for optimal BCI system design while acknowledging study limitations.</a:t>
             </a:r>
           </a:p>
           <a:p>
@@ -8222,8 +8230,8 @@
               <a:buChar char="•"/>
             </a:pPr>
             <a:r>
-              <a:rPr lang="en-CA" dirty="0"/>
-              <a:t>Chapter 6: Discussion</a:t>
+              <a:rPr lang="en-US" dirty="0"/>
+              <a:t>Chapter 6: Future Work - Outlines research extensions including physical hardware validation, additional optimization exploration, and real-time testing with human EEG data.</a:t>
             </a:r>
           </a:p>
           <a:p>
@@ -8232,8 +8240,8 @@
               <a:buChar char="•"/>
             </a:pPr>
             <a:r>
-              <a:rPr lang="en-CA" dirty="0"/>
-              <a:t>Chapter 7: Future Work</a:t>
+              <a:rPr lang="en-US" dirty="0"/>
+              <a:t>Chapter 7: Conclusion - Summarizes key contributions including the automated exploration tool, quantified trade-offs, and design guidelines for low-power, real-time BCI systems.</a:t>
             </a:r>
           </a:p>
           <a:p>
@@ -8242,18 +8250,8 @@
               <a:buChar char="•"/>
             </a:pPr>
             <a:r>
-              <a:rPr lang="en-CA" dirty="0"/>
-              <a:t>Chapter 8: Conclusion</a:t>
-            </a:r>
-          </a:p>
-          <a:p>
-            <a:pPr marL="285750" indent="-285750">
-              <a:buFont typeface="Arial" panose="020B0604020202020204" pitchFamily="34" charset="0"/>
-              <a:buChar char="•"/>
-            </a:pPr>
-            <a:r>
-              <a:rPr lang="en-CA" dirty="0"/>
-              <a:t>Chapter 9: References</a:t>
+              <a:rPr lang="en-US" dirty="0"/>
+              <a:t>Chapter 8: References - Provides IEEE-formatted citations for all academic sources referenced throughout the thesis.</a:t>
             </a:r>
           </a:p>
         </p:txBody>
@@ -9429,6 +9427,25 @@
           </a:bodyPr>
           <a:lstStyle/>
           <a:p>
+            <a:pPr>
+              <a:lnSpc>
+                <a:spcPct val="90000"/>
+              </a:lnSpc>
+              <a:spcBef>
+                <a:spcPts val="1000"/>
+              </a:spcBef>
+            </a:pPr>
+            <a:r>
+              <a:rPr lang="en-US" sz="2000" dirty="0">
+                <a:latin typeface="Calibri"/>
+                <a:ea typeface="Calibri"/>
+                <a:cs typeface="Calibri"/>
+                <a:sym typeface="Calibri"/>
+              </a:rPr>
+              <a:t>Hardware implementations of GRUs are scarce, with only two documented implementations. Limited implementations probably due to GRUs being new and less used compared to LSTMs [3]</a:t>
+            </a:r>
+          </a:p>
+          <a:p>
             <a:pPr marL="342900" lvl="0" indent="-342900" algn="l" rtl="0">
               <a:lnSpc>
                 <a:spcPct val="90000"/>
@@ -9449,7 +9466,7 @@
                 <a:cs typeface="Calibri"/>
                 <a:sym typeface="Calibri"/>
               </a:rPr>
-              <a:t>Hardware implementations of GRUs are scarce, with only two documented implementations</a:t>
+              <a:t>Zaghloul et al. [1] first implemented an FPGA-based GRU, demonstrating equivalent performance to LSTMs across multiple time-series datasets</a:t>
             </a:r>
           </a:p>
           <a:p>
@@ -9473,7 +9490,7 @@
                 <a:cs typeface="Calibri"/>
                 <a:sym typeface="Calibri"/>
               </a:rPr>
-              <a:t>Zaghloul et al. [1] first implemented an FPGA-based GRU, demonstrating equivalent performance to LSTMs across multiple time-series datasets</a:t>
+              <a:t>Rizwan et al. [2] reimplemented GRUs with a focus on detecting breast cancer (multivariate classification) </a:t>
             </a:r>
           </a:p>
           <a:p>
@@ -9497,77 +9514,8 @@
                 <a:cs typeface="Calibri"/>
                 <a:sym typeface="Calibri"/>
               </a:rPr>
-              <a:t>Rizwan et al. [2] reimplemented GRUs with a focus on detecting breast cancer (multivariate classification) </a:t>
-            </a:r>
-          </a:p>
-          <a:p>
-            <a:pPr marL="342900" lvl="0" indent="-342900" algn="l" rtl="0">
-              <a:lnSpc>
-                <a:spcPct val="90000"/>
-              </a:lnSpc>
-              <a:spcBef>
-                <a:spcPts val="1000"/>
-              </a:spcBef>
-              <a:spcAft>
-                <a:spcPts val="0"/>
-              </a:spcAft>
-              <a:buFont typeface="Arial" panose="020B0604020202020204" pitchFamily="34" charset="0"/>
-              <a:buChar char="•"/>
-            </a:pPr>
-            <a:r>
-              <a:rPr lang="en-US" sz="2000" dirty="0">
-                <a:latin typeface="Calibri"/>
-                <a:ea typeface="Calibri"/>
-                <a:cs typeface="Calibri"/>
-                <a:sym typeface="Calibri"/>
-              </a:rPr>
               <a:t>No prior work has explored GRU hardware optimization or hardware GRUs applied to BCI</a:t>
             </a:r>
-          </a:p>
-          <a:p>
-            <a:pPr marL="342900" lvl="0" indent="-342900" algn="l" rtl="0">
-              <a:lnSpc>
-                <a:spcPct val="90000"/>
-              </a:lnSpc>
-              <a:spcBef>
-                <a:spcPts val="1000"/>
-              </a:spcBef>
-              <a:spcAft>
-                <a:spcPts val="0"/>
-              </a:spcAft>
-              <a:buFont typeface="Arial" panose="020B0604020202020204" pitchFamily="34" charset="0"/>
-              <a:buChar char="•"/>
-            </a:pPr>
-            <a:r>
-              <a:rPr lang="en-US" sz="2000" dirty="0">
-                <a:latin typeface="Calibri"/>
-                <a:ea typeface="Calibri"/>
-                <a:cs typeface="Calibri"/>
-                <a:sym typeface="Calibri"/>
-              </a:rPr>
-              <a:t>Limited implementations due to GRUs being new and less used compared to LSTMs [3]</a:t>
-            </a:r>
-          </a:p>
-          <a:p>
-            <a:pPr marL="342900" lvl="0" indent="-342900" algn="l" rtl="0">
-              <a:lnSpc>
-                <a:spcPct val="90000"/>
-              </a:lnSpc>
-              <a:spcBef>
-                <a:spcPts val="1000"/>
-              </a:spcBef>
-              <a:spcAft>
-                <a:spcPts val="0"/>
-              </a:spcAft>
-              <a:buFont typeface="Arial" panose="020B0604020202020204" pitchFamily="34" charset="0"/>
-              <a:buChar char="•"/>
-            </a:pPr>
-            <a:endParaRPr sz="2000" dirty="0">
-              <a:latin typeface="Calibri"/>
-              <a:ea typeface="Calibri"/>
-              <a:cs typeface="Calibri"/>
-              <a:sym typeface="Calibri"/>
-            </a:endParaRPr>
           </a:p>
         </p:txBody>
       </p:sp>
@@ -10283,8 +10231,8 @@
         </p:nvSpPr>
         <p:spPr>
           <a:xfrm>
-            <a:off x="876300" y="1582478"/>
-            <a:ext cx="10439400" cy="3984793"/>
+            <a:off x="876300" y="1353878"/>
+            <a:ext cx="10439400" cy="5504122"/>
           </a:xfrm>
           <a:prstGeom prst="rect">
             <a:avLst/>
@@ -10301,64 +10249,118 @@
           <a:lstStyle/>
           <a:p>
             <a:r>
-              <a:rPr lang="en-CA" sz="2000" dirty="0"/>
-              <a:t>The experimental system comprises several interconnected Python modules and a </a:t>
-            </a:r>
-            <a:r>
-              <a:rPr lang="en-CA" sz="2000" dirty="0" err="1"/>
+              <a:rPr lang="en-US" sz="2000" dirty="0"/>
+              <a:t>Methodological Challenge: Manual modification of the GRU module for each individual design parameter subset would be prohibitively labor-intensive and inefficient, necessitating an automated approach to parameter space exploration.</a:t>
+            </a:r>
+          </a:p>
+          <a:p>
+            <a:endParaRPr lang="en-US" sz="2000" dirty="0"/>
+          </a:p>
+          <a:p>
+            <a:r>
+              <a:rPr lang="en-US" sz="2000" dirty="0"/>
+              <a:t>Methodological Approach: To address this constraint, an automated design space exploration tool utilizing Python and </a:t>
+            </a:r>
+            <a:r>
+              <a:rPr lang="en-US" sz="2000" dirty="0" err="1"/>
               <a:t>Tcl</a:t>
             </a:r>
             <a:r>
-              <a:rPr lang="en-CA" sz="2000" dirty="0"/>
-              <a:t> script that automate the entire design, implementation, and analysis pipeline:</a:t>
-            </a:r>
-          </a:p>
-          <a:p>
-            <a:pPr marL="342900" lvl="0" indent="-342900">
+              <a:rPr lang="en-US" sz="2000" dirty="0"/>
+              <a:t> was developed.</a:t>
+            </a:r>
+          </a:p>
+          <a:p>
+            <a:pPr marL="342900" indent="-342900">
               <a:buFont typeface="Arial" panose="020B0604020202020204" pitchFamily="34" charset="0"/>
               <a:buChar char="•"/>
             </a:pPr>
             <a:r>
-              <a:rPr lang="en-CA" sz="2000" dirty="0"/>
-              <a:t>Python scripts automatically generate SystemVerilog code for the GRU module, top-level wrapper, and testbench based on specified parameters.</a:t>
-            </a:r>
-          </a:p>
-          <a:p>
-            <a:pPr marL="342900" lvl="0" indent="-342900">
+              <a:rPr lang="en-US" sz="2000" dirty="0"/>
+              <a:t>The tool automates the complete workflow encompassing design specification, hardware implementation, and performance analysis.</a:t>
+            </a:r>
+          </a:p>
+          <a:p>
+            <a:pPr marL="342900" indent="-342900">
               <a:buFont typeface="Arial" panose="020B0604020202020204" pitchFamily="34" charset="0"/>
               <a:buChar char="•"/>
             </a:pPr>
             <a:r>
-              <a:rPr lang="en-CA" sz="2000" dirty="0"/>
-              <a:t>A </a:t>
-            </a:r>
-            <a:r>
-              <a:rPr lang="en-CA" sz="2000" dirty="0" err="1"/>
-              <a:t>Tcl</a:t>
-            </a:r>
-            <a:r>
-              <a:rPr lang="en-CA" sz="2000" dirty="0"/>
-              <a:t> script orchestrates the Xilinx Vivado tool to perform simulation, synthesis, optimization, placement, and routing while generating detailed reports.</a:t>
-            </a:r>
-          </a:p>
-          <a:p>
-            <a:pPr marL="342900" lvl="0" indent="-342900">
+              <a:rPr lang="en-US" sz="2000" dirty="0"/>
+              <a:t>Xilinx Vivado serves as the synthesis and implementation backend, providing comprehensive design metrics and resource utilization data.</a:t>
+            </a:r>
+          </a:p>
+          <a:p>
+            <a:pPr marL="342900" indent="-342900">
               <a:buFont typeface="Arial" panose="020B0604020202020204" pitchFamily="34" charset="0"/>
               <a:buChar char="•"/>
             </a:pPr>
             <a:r>
-              <a:rPr lang="en-CA" sz="2000" dirty="0"/>
-              <a:t>Python scripts parse Vivado-generated reports and simulation outputs to extract hardware metrics and calculate accuracy measurements.</a:t>
-            </a:r>
-          </a:p>
-          <a:p>
-            <a:pPr marL="342900" lvl="0" indent="-342900">
+              <a:rPr lang="en-US" sz="2000" dirty="0"/>
+              <a:t>The tech stack ensures cross-platform capabilities.</a:t>
+            </a:r>
+          </a:p>
+          <a:p>
+            <a:pPr marL="342900" indent="-342900">
               <a:buFont typeface="Arial" panose="020B0604020202020204" pitchFamily="34" charset="0"/>
               <a:buChar char="•"/>
             </a:pPr>
-            <a:r>
-              <a:rPr lang="en-CA" sz="2000" dirty="0"/>
-              <a:t>The main script coordinates all phases, collects results, calculates Mean Absolute Error (MAE), and compiles data into a structured format for analysis.</a:t>
+            <a:endParaRPr lang="en-US" sz="2000" dirty="0"/>
+          </a:p>
+          <a:p>
+            <a:r>
+              <a:rPr lang="en-US" sz="2000" dirty="0"/>
+              <a:t>Desired action space to search:</a:t>
+            </a:r>
+          </a:p>
+          <a:p>
+            <a:pPr marL="742950" lvl="1" indent="-285750">
+              <a:buFont typeface="Arial" panose="020B0604020202020204" pitchFamily="34" charset="0"/>
+              <a:buChar char="•"/>
+            </a:pPr>
+            <a:r>
+              <a:rPr lang="en-CA" dirty="0"/>
+              <a:t>INT_WIDTH: 6 </a:t>
+            </a:r>
+          </a:p>
+          <a:p>
+            <a:pPr marL="742950" lvl="1" indent="-285750">
+              <a:buFont typeface="Arial" panose="020B0604020202020204" pitchFamily="34" charset="0"/>
+              <a:buChar char="•"/>
+            </a:pPr>
+            <a:r>
+              <a:rPr lang="en-CA" dirty="0"/>
+              <a:t>FRAC_WIDTH: 4, 9, 14, 19, 24</a:t>
+            </a:r>
+          </a:p>
+          <a:p>
+            <a:pPr marL="742950" lvl="1" indent="-285750">
+              <a:buFont typeface="Arial" panose="020B0604020202020204" pitchFamily="34" charset="0"/>
+              <a:buChar char="•"/>
+            </a:pPr>
+            <a:r>
+              <a:rPr lang="en-CA" dirty="0"/>
+              <a:t>d: 4, 8, 16, 32, 64</a:t>
+            </a:r>
+          </a:p>
+          <a:p>
+            <a:pPr marL="742950" lvl="1" indent="-285750">
+              <a:buFont typeface="Arial" panose="020B0604020202020204" pitchFamily="34" charset="0"/>
+              <a:buChar char="•"/>
+            </a:pPr>
+            <a:r>
+              <a:rPr lang="en-CA" dirty="0"/>
+              <a:t>h: 4, 6, 8, 12, 16</a:t>
+            </a:r>
+          </a:p>
+          <a:p>
+            <a:pPr marL="742950" lvl="1" indent="-285750">
+              <a:buFont typeface="Arial" panose="020B0604020202020204" pitchFamily="34" charset="0"/>
+              <a:buChar char="•"/>
+            </a:pPr>
+            <a:r>
+              <a:rPr lang="en-CA" dirty="0"/>
+              <a:t>Shift-and-Add Multiplication: 0, 1</a:t>
             </a:r>
           </a:p>
         </p:txBody>
@@ -10512,15 +10514,7 @@
             </a:pPr>
             <a:r>
               <a:rPr lang="en-CA" dirty="0"/>
-              <a:t>Vivado Execution: The TCL script (</a:t>
-            </a:r>
-            <a:r>
-              <a:rPr lang="en-CA" dirty="0" err="1"/>
-              <a:t>run_vivado.tcl</a:t>
-            </a:r>
-            <a:r>
-              <a:rPr lang="en-CA" dirty="0"/>
-              <a:t>) performs the following operations: Creates a Vivado project, adds all generated SystemVerilog files, applies timing constraints, runs simulation, executes synthesis, performs placement and routing, generates detailed reports on utilization, timing, and power consumption.</a:t>
+              <a:t>Vivado Execution: The TCL script performs the following operations: Creates a Vivado project, adds all generated SystemVerilog files, applies timing constraints, runs simulation, executes synthesis, performs placement and routing, generates detailed reports on utilization, timing, and power consumption.</a:t>
             </a:r>
           </a:p>
           <a:p>
@@ -10736,7 +10730,7 @@
             </a:pPr>
             <a:r>
               <a:rPr lang="en-CA" dirty="0"/>
-              <a:t>Simulations and implementations took about 1 day to complete</a:t>
+              <a:t>Simulations and implementations took about 1 day to complete.</a:t>
             </a:r>
           </a:p>
           <a:p>
@@ -10746,7 +10740,7 @@
             </a:pPr>
             <a:r>
               <a:rPr lang="en-CA" dirty="0"/>
-              <a:t>To run the entire action space, will run on a desktop better suited for Vivado</a:t>
+              <a:t>To run the entire action space, will run on a desktop better suited for Vivado.</a:t>
             </a:r>
           </a:p>
           <a:p>
@@ -10756,7 +10750,7 @@
             </a:pPr>
             <a:r>
               <a:rPr lang="en-CA" dirty="0"/>
-              <a:t>CPU with a better single core performance and higher clock rate</a:t>
+              <a:t>CPU with a better single core performance and higher clock rate.</a:t>
             </a:r>
           </a:p>
           <a:p>
@@ -10766,7 +10760,7 @@
             </a:pPr>
             <a:r>
               <a:rPr lang="en-CA" dirty="0"/>
-              <a:t>Larger amount of and higher frequency RAM</a:t>
+              <a:t>Larger amount of and higher frequency RAM.</a:t>
             </a:r>
           </a:p>
           <a:p>
@@ -10776,7 +10770,17 @@
             </a:pPr>
             <a:r>
               <a:rPr lang="en-CA" dirty="0"/>
-              <a:t>Linux system instead of Windows</a:t>
+              <a:t>Linux system instead of Windows.</a:t>
+            </a:r>
+          </a:p>
+          <a:p>
+            <a:pPr marL="742950" lvl="1" indent="-285750">
+              <a:buFont typeface="Arial" panose="020B0604020202020204" pitchFamily="34" charset="0"/>
+              <a:buChar char="•"/>
+            </a:pPr>
+            <a:r>
+              <a:rPr lang="en-CA" dirty="0"/>
+              <a:t>Entire action space minus shift-and-add multiplication usage will be searched, estimated to take a day with 125 configurations.</a:t>
             </a:r>
           </a:p>
         </p:txBody>

--- a/Thesis Proposal Defence.pptx
+++ b/Thesis Proposal Defence.pptx
@@ -209,7 +209,7 @@
           <a:p>
             <a:fld id="{1BF8C320-1D1B-4A01-A637-3E15027DC91A}" type="datetimeFigureOut">
               <a:rPr lang="en-CA" smtClean="0"/>
-              <a:t>2025-12-03</a:t>
+              <a:t>2025-12-09</a:t>
             </a:fld>
             <a:endParaRPr lang="en-CA"/>
           </a:p>
@@ -2878,7 +2878,7 @@
           <a:p>
             <a:fld id="{78ED8958-4744-4512-A73A-B7842DF6E36C}" type="datetimeFigureOut">
               <a:rPr lang="en-CA" smtClean="0"/>
-              <a:t>2025-12-03</a:t>
+              <a:t>2025-12-09</a:t>
             </a:fld>
             <a:endParaRPr lang="en-CA"/>
           </a:p>
@@ -3078,7 +3078,7 @@
           <a:p>
             <a:fld id="{78ED8958-4744-4512-A73A-B7842DF6E36C}" type="datetimeFigureOut">
               <a:rPr lang="en-CA" smtClean="0"/>
-              <a:t>2025-12-03</a:t>
+              <a:t>2025-12-09</a:t>
             </a:fld>
             <a:endParaRPr lang="en-CA"/>
           </a:p>
@@ -3288,7 +3288,7 @@
           <a:p>
             <a:fld id="{78ED8958-4744-4512-A73A-B7842DF6E36C}" type="datetimeFigureOut">
               <a:rPr lang="en-CA" smtClean="0"/>
-              <a:t>2025-12-03</a:t>
+              <a:t>2025-12-09</a:t>
             </a:fld>
             <a:endParaRPr lang="en-CA"/>
           </a:p>
@@ -5226,7 +5226,7 @@
           <a:p>
             <a:fld id="{78ED8958-4744-4512-A73A-B7842DF6E36C}" type="datetimeFigureOut">
               <a:rPr lang="en-CA" smtClean="0"/>
-              <a:t>2025-12-03</a:t>
+              <a:t>2025-12-09</a:t>
             </a:fld>
             <a:endParaRPr lang="en-CA"/>
           </a:p>
@@ -5502,7 +5502,7 @@
           <a:p>
             <a:fld id="{78ED8958-4744-4512-A73A-B7842DF6E36C}" type="datetimeFigureOut">
               <a:rPr lang="en-CA" smtClean="0"/>
-              <a:t>2025-12-03</a:t>
+              <a:t>2025-12-09</a:t>
             </a:fld>
             <a:endParaRPr lang="en-CA"/>
           </a:p>
@@ -5770,7 +5770,7 @@
           <a:p>
             <a:fld id="{78ED8958-4744-4512-A73A-B7842DF6E36C}" type="datetimeFigureOut">
               <a:rPr lang="en-CA" smtClean="0"/>
-              <a:t>2025-12-03</a:t>
+              <a:t>2025-12-09</a:t>
             </a:fld>
             <a:endParaRPr lang="en-CA"/>
           </a:p>
@@ -6185,7 +6185,7 @@
           <a:p>
             <a:fld id="{78ED8958-4744-4512-A73A-B7842DF6E36C}" type="datetimeFigureOut">
               <a:rPr lang="en-CA" smtClean="0"/>
-              <a:t>2025-12-03</a:t>
+              <a:t>2025-12-09</a:t>
             </a:fld>
             <a:endParaRPr lang="en-CA"/>
           </a:p>
@@ -6327,7 +6327,7 @@
           <a:p>
             <a:fld id="{78ED8958-4744-4512-A73A-B7842DF6E36C}" type="datetimeFigureOut">
               <a:rPr lang="en-CA" smtClean="0"/>
-              <a:t>2025-12-03</a:t>
+              <a:t>2025-12-09</a:t>
             </a:fld>
             <a:endParaRPr lang="en-CA"/>
           </a:p>
@@ -6440,7 +6440,7 @@
           <a:p>
             <a:fld id="{78ED8958-4744-4512-A73A-B7842DF6E36C}" type="datetimeFigureOut">
               <a:rPr lang="en-CA" smtClean="0"/>
-              <a:t>2025-12-03</a:t>
+              <a:t>2025-12-09</a:t>
             </a:fld>
             <a:endParaRPr lang="en-CA"/>
           </a:p>
@@ -6753,7 +6753,7 @@
           <a:p>
             <a:fld id="{78ED8958-4744-4512-A73A-B7842DF6E36C}" type="datetimeFigureOut">
               <a:rPr lang="en-CA" smtClean="0"/>
-              <a:t>2025-12-03</a:t>
+              <a:t>2025-12-09</a:t>
             </a:fld>
             <a:endParaRPr lang="en-CA"/>
           </a:p>
@@ -7042,7 +7042,7 @@
           <a:p>
             <a:fld id="{78ED8958-4744-4512-A73A-B7842DF6E36C}" type="datetimeFigureOut">
               <a:rPr lang="en-CA" smtClean="0"/>
-              <a:t>2025-12-03</a:t>
+              <a:t>2025-12-09</a:t>
             </a:fld>
             <a:endParaRPr lang="en-CA"/>
           </a:p>
@@ -7285,7 +7285,7 @@
           <a:p>
             <a:fld id="{78ED8958-4744-4512-A73A-B7842DF6E36C}" type="datetimeFigureOut">
               <a:rPr lang="en-CA" smtClean="0"/>
-              <a:t>2025-12-03</a:t>
+              <a:t>2025-12-09</a:t>
             </a:fld>
             <a:endParaRPr lang="en-CA"/>
           </a:p>
@@ -8114,7 +8114,7 @@
         </p:nvSpPr>
         <p:spPr>
           <a:xfrm>
-            <a:off x="1886850" y="458462"/>
+            <a:off x="1886850" y="402702"/>
             <a:ext cx="8418300" cy="861600"/>
           </a:xfrm>
           <a:prstGeom prst="rect">
@@ -8150,7 +8150,7 @@
         </p:nvSpPr>
         <p:spPr>
           <a:xfrm>
-            <a:off x="457200" y="1353929"/>
+            <a:off x="457200" y="1298169"/>
             <a:ext cx="11144250" cy="2583122"/>
           </a:xfrm>
           <a:prstGeom prst="rect">
@@ -8172,9 +8172,16 @@
               <a:buChar char="•"/>
             </a:pPr>
             <a:r>
+              <a:rPr lang="en-US" b="1" dirty="0"/>
+              <a:t>Chapter 1: Introduction </a:t>
+            </a:r>
+            <a:r>
               <a:rPr lang="en-US" dirty="0"/>
-              <a:t>Chapter 1: Introduction - Establishes the research context for FPGA-based GRU implementation in BCI applications and defines the central research question examining design parameter trade-offs.</a:t>
-            </a:r>
+              <a:t>- Establishes the research context for FPGA-based GRU implementation in BCI applications and defines the central research question examining design parameter trade-offs.</a:t>
+            </a:r>
+          </a:p>
+          <a:p>
+            <a:endParaRPr lang="en-US" sz="800" b="1" dirty="0"/>
           </a:p>
           <a:p>
             <a:pPr marL="285750" indent="-285750">
@@ -8182,9 +8189,16 @@
               <a:buChar char="•"/>
             </a:pPr>
             <a:r>
+              <a:rPr lang="en-US" b="1" dirty="0"/>
+              <a:t>Chapter 2: Literature Review </a:t>
+            </a:r>
+            <a:r>
               <a:rPr lang="en-US" dirty="0"/>
-              <a:t>Chapter 2: Literature Review - Surveys existing work on GRUs, FPGAs, and BCIs while identifying gaps in hardware-specific optimizations and justifying systematic design space exploration.</a:t>
-            </a:r>
+              <a:t>- Surveys existing work on GRUs, FPGAs, and BCIs while identifying gaps in hardware-specific optimizations and justifying systematic design space exploration.</a:t>
+            </a:r>
+          </a:p>
+          <a:p>
+            <a:endParaRPr lang="en-US" sz="800" b="1" dirty="0"/>
           </a:p>
           <a:p>
             <a:pPr marL="285750" indent="-285750">
@@ -8192,8 +8206,12 @@
               <a:buChar char="•"/>
             </a:pPr>
             <a:r>
+              <a:rPr lang="en-US" b="1" dirty="0"/>
+              <a:t>Chapter 3: Methodology </a:t>
+            </a:r>
+            <a:r>
               <a:rPr lang="en-US" dirty="0"/>
-              <a:t>Chapter 3: Methodology - Describes the automated framework using Python and </a:t>
+              <a:t>- Describes the automated framework using Python and </a:t>
             </a:r>
             <a:r>
               <a:rPr lang="en-US" dirty="0" err="1"/>
@@ -8203,6 +8221,9 @@
               <a:rPr lang="en-US" dirty="0"/>
               <a:t> to generate parameterized GRU modules, synthesize them via Xilinx Vivado, and analyze performance metrics.</a:t>
             </a:r>
+          </a:p>
+          <a:p>
+            <a:endParaRPr lang="en-US" sz="800" b="1" dirty="0"/>
           </a:p>
           <a:p>
             <a:pPr marL="285750" indent="-285750">
@@ -8210,9 +8231,16 @@
               <a:buChar char="•"/>
             </a:pPr>
             <a:r>
+              <a:rPr lang="en-US" b="1" dirty="0"/>
+              <a:t>Chapter 4: Results </a:t>
+            </a:r>
+            <a:r>
               <a:rPr lang="en-US" dirty="0"/>
-              <a:t>Chapter 4: Results - Presents hardware and accuracy metrics across tested configurations, demonstrating how design parameters affect resource utilization, timing, power consumption, and error rates.</a:t>
-            </a:r>
+              <a:t>- Presents hardware and accuracy metrics across tested configurations, demonstrating how design parameters affect resource utilization, timing, power consumption, and error rates.</a:t>
+            </a:r>
+          </a:p>
+          <a:p>
+            <a:endParaRPr lang="en-US" sz="800" b="1" dirty="0"/>
           </a:p>
           <a:p>
             <a:pPr marL="285750" indent="-285750">
@@ -8220,9 +8248,16 @@
               <a:buChar char="•"/>
             </a:pPr>
             <a:r>
+              <a:rPr lang="en-US" b="1" dirty="0"/>
+              <a:t>Chapter 5: Discussion </a:t>
+            </a:r>
+            <a:r>
               <a:rPr lang="en-US" dirty="0"/>
-              <a:t>Chapter 5: Discussion - Interprets experimental findings, analyzes hardware optimization effectiveness, and discusses implications for optimal BCI system design while acknowledging study limitations.</a:t>
-            </a:r>
+              <a:t>- Interprets experimental findings, analyzes hardware optimization effectiveness, and discusses implications for optimal BCI system design while acknowledging study limitations.</a:t>
+            </a:r>
+          </a:p>
+          <a:p>
+            <a:endParaRPr lang="en-US" sz="800" b="1" dirty="0"/>
           </a:p>
           <a:p>
             <a:pPr marL="285750" indent="-285750">
@@ -8230,9 +8265,16 @@
               <a:buChar char="•"/>
             </a:pPr>
             <a:r>
+              <a:rPr lang="en-US" b="1" dirty="0"/>
+              <a:t>Chapter 6: Future Work </a:t>
+            </a:r>
+            <a:r>
               <a:rPr lang="en-US" dirty="0"/>
-              <a:t>Chapter 6: Future Work - Outlines research extensions including physical hardware validation, additional optimization exploration, and real-time testing with human EEG data.</a:t>
-            </a:r>
+              <a:t>- Outlines research extensions including physical hardware validation, additional optimization exploration, and real-time testing with human EEG data.</a:t>
+            </a:r>
+          </a:p>
+          <a:p>
+            <a:endParaRPr lang="en-US" sz="800" b="1" dirty="0"/>
           </a:p>
           <a:p>
             <a:pPr marL="285750" indent="-285750">
@@ -8240,9 +8282,16 @@
               <a:buChar char="•"/>
             </a:pPr>
             <a:r>
+              <a:rPr lang="en-US" b="1" dirty="0"/>
+              <a:t>Chapter 7: Conclusion </a:t>
+            </a:r>
+            <a:r>
               <a:rPr lang="en-US" dirty="0"/>
-              <a:t>Chapter 7: Conclusion - Summarizes key contributions including the automated exploration tool, quantified trade-offs, and design guidelines for low-power, real-time BCI systems.</a:t>
-            </a:r>
+              <a:t>- Summarizes key contributions including the automated exploration tool, quantified trade-offs, and design guidelines for low-power, real-time BCI systems.</a:t>
+            </a:r>
+          </a:p>
+          <a:p>
+            <a:endParaRPr lang="en-US" sz="800" dirty="0"/>
           </a:p>
           <a:p>
             <a:pPr marL="285750" indent="-285750">
@@ -8250,8 +8299,12 @@
               <a:buChar char="•"/>
             </a:pPr>
             <a:r>
+              <a:rPr lang="en-US" b="1" dirty="0"/>
+              <a:t>Chapter 8: References </a:t>
+            </a:r>
+            <a:r>
               <a:rPr lang="en-US" dirty="0"/>
-              <a:t>Chapter 8: References - Provides IEEE-formatted citations for all academic sources referenced throughout the thesis.</a:t>
+              <a:t>- Provides IEEE-formatted citations for all academic sources referenced throughout the thesis.</a:t>
             </a:r>
           </a:p>
         </p:txBody>
